--- a/PPTs/DemoConcepts.pptx
+++ b/PPTs/DemoConcepts.pptx
@@ -9,7 +9,8 @@
     <p:sldId id="325" r:id="rId3"/>
     <p:sldId id="256" r:id="rId4"/>
     <p:sldId id="326" r:id="rId5"/>
-    <p:sldId id="328" r:id="rId6"/>
+    <p:sldId id="329" r:id="rId6"/>
+    <p:sldId id="328" r:id="rId7"/>
   </p:sldIdLst>
   <p:sldSz cx="12192000" cy="6858000"/>
   <p:notesSz cx="6858000" cy="9144000"/>
@@ -108,6 +109,11 @@
       </a:defRPr>
     </a:lvl9pPr>
   </p:defaultTextStyle>
+  <p:extLst>
+    <p:ext uri="{EFAFB233-063F-42B5-8137-9DF3F51BA10A}">
+      <p15:sldGuideLst xmlns:p15="http://schemas.microsoft.com/office/powerpoint/2012/main"/>
+    </p:ext>
+  </p:extLst>
 </p:presentation>
 </file>
 
@@ -260,7 +266,7 @@
           <a:p>
             <a:fld id="{84C5C917-24C4-4DF3-9EAC-07F5DAAB25CE}" type="datetimeFigureOut">
               <a:rPr lang="en-IN" smtClean="0"/>
-              <a:t>01-03-2023</a:t>
+              <a:t>09-04-2023</a:t>
             </a:fld>
             <a:endParaRPr lang="en-IN"/>
           </a:p>
@@ -460,7 +466,7 @@
           <a:p>
             <a:fld id="{84C5C917-24C4-4DF3-9EAC-07F5DAAB25CE}" type="datetimeFigureOut">
               <a:rPr lang="en-IN" smtClean="0"/>
-              <a:t>01-03-2023</a:t>
+              <a:t>09-04-2023</a:t>
             </a:fld>
             <a:endParaRPr lang="en-IN"/>
           </a:p>
@@ -670,7 +676,7 @@
           <a:p>
             <a:fld id="{84C5C917-24C4-4DF3-9EAC-07F5DAAB25CE}" type="datetimeFigureOut">
               <a:rPr lang="en-IN" smtClean="0"/>
-              <a:t>01-03-2023</a:t>
+              <a:t>09-04-2023</a:t>
             </a:fld>
             <a:endParaRPr lang="en-IN"/>
           </a:p>
@@ -870,7 +876,7 @@
           <a:p>
             <a:fld id="{84C5C917-24C4-4DF3-9EAC-07F5DAAB25CE}" type="datetimeFigureOut">
               <a:rPr lang="en-IN" smtClean="0"/>
-              <a:t>01-03-2023</a:t>
+              <a:t>09-04-2023</a:t>
             </a:fld>
             <a:endParaRPr lang="en-IN"/>
           </a:p>
@@ -1146,7 +1152,7 @@
           <a:p>
             <a:fld id="{84C5C917-24C4-4DF3-9EAC-07F5DAAB25CE}" type="datetimeFigureOut">
               <a:rPr lang="en-IN" smtClean="0"/>
-              <a:t>01-03-2023</a:t>
+              <a:t>09-04-2023</a:t>
             </a:fld>
             <a:endParaRPr lang="en-IN"/>
           </a:p>
@@ -1414,7 +1420,7 @@
           <a:p>
             <a:fld id="{84C5C917-24C4-4DF3-9EAC-07F5DAAB25CE}" type="datetimeFigureOut">
               <a:rPr lang="en-IN" smtClean="0"/>
-              <a:t>01-03-2023</a:t>
+              <a:t>09-04-2023</a:t>
             </a:fld>
             <a:endParaRPr lang="en-IN"/>
           </a:p>
@@ -1829,7 +1835,7 @@
           <a:p>
             <a:fld id="{84C5C917-24C4-4DF3-9EAC-07F5DAAB25CE}" type="datetimeFigureOut">
               <a:rPr lang="en-IN" smtClean="0"/>
-              <a:t>01-03-2023</a:t>
+              <a:t>09-04-2023</a:t>
             </a:fld>
             <a:endParaRPr lang="en-IN"/>
           </a:p>
@@ -1971,7 +1977,7 @@
           <a:p>
             <a:fld id="{84C5C917-24C4-4DF3-9EAC-07F5DAAB25CE}" type="datetimeFigureOut">
               <a:rPr lang="en-IN" smtClean="0"/>
-              <a:t>01-03-2023</a:t>
+              <a:t>09-04-2023</a:t>
             </a:fld>
             <a:endParaRPr lang="en-IN"/>
           </a:p>
@@ -2084,7 +2090,7 @@
           <a:p>
             <a:fld id="{84C5C917-24C4-4DF3-9EAC-07F5DAAB25CE}" type="datetimeFigureOut">
               <a:rPr lang="en-IN" smtClean="0"/>
-              <a:t>01-03-2023</a:t>
+              <a:t>09-04-2023</a:t>
             </a:fld>
             <a:endParaRPr lang="en-IN"/>
           </a:p>
@@ -2397,7 +2403,7 @@
           <a:p>
             <a:fld id="{84C5C917-24C4-4DF3-9EAC-07F5DAAB25CE}" type="datetimeFigureOut">
               <a:rPr lang="en-IN" smtClean="0"/>
-              <a:t>01-03-2023</a:t>
+              <a:t>09-04-2023</a:t>
             </a:fld>
             <a:endParaRPr lang="en-IN"/>
           </a:p>
@@ -2686,7 +2692,7 @@
           <a:p>
             <a:fld id="{84C5C917-24C4-4DF3-9EAC-07F5DAAB25CE}" type="datetimeFigureOut">
               <a:rPr lang="en-IN" smtClean="0"/>
-              <a:t>01-03-2023</a:t>
+              <a:t>09-04-2023</a:t>
             </a:fld>
             <a:endParaRPr lang="en-IN"/>
           </a:p>
@@ -2929,7 +2935,7 @@
           <a:p>
             <a:fld id="{84C5C917-24C4-4DF3-9EAC-07F5DAAB25CE}" type="datetimeFigureOut">
               <a:rPr lang="en-IN" smtClean="0"/>
-              <a:t>01-03-2023</a:t>
+              <a:t>09-04-2023</a:t>
             </a:fld>
             <a:endParaRPr lang="en-IN"/>
           </a:p>
@@ -6612,6 +6618,107 @@
           <a:chExt cx="0" cy="0"/>
         </a:xfrm>
       </p:grpSpPr>
+      <p:pic>
+        <p:nvPicPr>
+          <p:cNvPr id="5" name="Picture 4">
+            <a:extLst>
+              <a:ext uri="{FF2B5EF4-FFF2-40B4-BE49-F238E27FC236}">
+                <a16:creationId xmlns:a16="http://schemas.microsoft.com/office/drawing/2014/main" id="{AFA5840F-E861-E594-CE8C-B50B25E4A027}"/>
+              </a:ext>
+            </a:extLst>
+          </p:cNvPr>
+          <p:cNvPicPr>
+            <a:picLocks noChangeAspect="1"/>
+          </p:cNvPicPr>
+          <p:nvPr/>
+        </p:nvPicPr>
+        <p:blipFill>
+          <a:blip r:embed="rId2"/>
+          <a:stretch>
+            <a:fillRect/>
+          </a:stretch>
+        </p:blipFill>
+        <p:spPr>
+          <a:xfrm>
+            <a:off x="1098222" y="797253"/>
+            <a:ext cx="304800" cy="323850"/>
+          </a:xfrm>
+          <a:prstGeom prst="rect">
+            <a:avLst/>
+          </a:prstGeom>
+        </p:spPr>
+      </p:pic>
+      <p:sp>
+        <p:nvSpPr>
+          <p:cNvPr id="6" name="TextBox 5">
+            <a:extLst>
+              <a:ext uri="{FF2B5EF4-FFF2-40B4-BE49-F238E27FC236}">
+                <a16:creationId xmlns:a16="http://schemas.microsoft.com/office/drawing/2014/main" id="{0FB9B18A-1764-BEFF-39F4-242480B8659D}"/>
+              </a:ext>
+            </a:extLst>
+          </p:cNvPr>
+          <p:cNvSpPr txBox="1"/>
+          <p:nvPr/>
+        </p:nvSpPr>
+        <p:spPr>
+          <a:xfrm>
+            <a:off x="1357460" y="782426"/>
+            <a:ext cx="1640264" cy="369332"/>
+          </a:xfrm>
+          <a:prstGeom prst="rect">
+            <a:avLst/>
+          </a:prstGeom>
+          <a:noFill/>
+        </p:spPr>
+        <p:txBody>
+          <a:bodyPr wrap="square" rtlCol="0">
+            <a:spAutoFit/>
+          </a:bodyPr>
+          <a:lstStyle/>
+          <a:p>
+            <a:r>
+              <a:rPr lang="en-IN" dirty="0">
+                <a:solidFill>
+                  <a:srgbClr val="0070C0"/>
+                </a:solidFill>
+                <a:latin typeface="Verdana" panose="020B0604030504040204" pitchFamily="34" charset="0"/>
+                <a:ea typeface="Verdana" panose="020B0604030504040204" pitchFamily="34" charset="0"/>
+              </a:rPr>
+              <a:t>Real Estates</a:t>
+            </a:r>
+          </a:p>
+        </p:txBody>
+      </p:sp>
+    </p:spTree>
+    <p:extLst>
+      <p:ext uri="{BB962C8B-B14F-4D97-AF65-F5344CB8AC3E}">
+        <p14:creationId xmlns:p14="http://schemas.microsoft.com/office/powerpoint/2010/main" val="2593718604"/>
+      </p:ext>
+    </p:extLst>
+  </p:cSld>
+  <p:clrMapOvr>
+    <a:masterClrMapping/>
+  </p:clrMapOvr>
+</p:sld>
+</file>
+
+<file path=ppt/slides/slide6.xml><?xml version="1.0" encoding="utf-8"?>
+<p:sld xmlns:a="http://schemas.openxmlformats.org/drawingml/2006/main" xmlns:r="http://schemas.openxmlformats.org/officeDocument/2006/relationships" xmlns:p="http://schemas.openxmlformats.org/presentationml/2006/main">
+  <p:cSld>
+    <p:spTree>
+      <p:nvGrpSpPr>
+        <p:cNvPr id="1" name=""/>
+        <p:cNvGrpSpPr/>
+        <p:nvPr/>
+      </p:nvGrpSpPr>
+      <p:grpSpPr>
+        <a:xfrm>
+          <a:off x="0" y="0"/>
+          <a:ext cx="0" cy="0"/>
+          <a:chOff x="0" y="0"/>
+          <a:chExt cx="0" cy="0"/>
+        </a:xfrm>
+      </p:grpSpPr>
       <p:sp>
         <p:nvSpPr>
           <p:cNvPr id="4" name="Rectangle 3">
